--- a/react/ctrlz2-0320.pptx
+++ b/react/ctrlz2-0320.pptx
@@ -14,26 +14,25 @@
     <p:sldId id="261" r:id="rId8"/>
     <p:sldId id="262" r:id="rId9"/>
     <p:sldId id="264" r:id="rId10"/>
-    <p:sldId id="259" r:id="rId11"/>
-    <p:sldId id="290" r:id="rId12"/>
-    <p:sldId id="289" r:id="rId13"/>
-    <p:sldId id="265" r:id="rId14"/>
-    <p:sldId id="266" r:id="rId15"/>
-    <p:sldId id="267" r:id="rId16"/>
-    <p:sldId id="291" r:id="rId17"/>
-    <p:sldId id="268" r:id="rId18"/>
-    <p:sldId id="269" r:id="rId19"/>
-    <p:sldId id="295" r:id="rId20"/>
-    <p:sldId id="292" r:id="rId21"/>
-    <p:sldId id="293" r:id="rId22"/>
-    <p:sldId id="294" r:id="rId23"/>
-    <p:sldId id="270" r:id="rId24"/>
-    <p:sldId id="271" r:id="rId25"/>
-    <p:sldId id="272" r:id="rId26"/>
-    <p:sldId id="282" r:id="rId27"/>
-    <p:sldId id="286" r:id="rId28"/>
-    <p:sldId id="296" r:id="rId29"/>
-    <p:sldId id="297" r:id="rId30"/>
+    <p:sldId id="290" r:id="rId11"/>
+    <p:sldId id="289" r:id="rId12"/>
+    <p:sldId id="265" r:id="rId13"/>
+    <p:sldId id="266" r:id="rId14"/>
+    <p:sldId id="267" r:id="rId15"/>
+    <p:sldId id="291" r:id="rId16"/>
+    <p:sldId id="268" r:id="rId17"/>
+    <p:sldId id="269" r:id="rId18"/>
+    <p:sldId id="295" r:id="rId19"/>
+    <p:sldId id="292" r:id="rId20"/>
+    <p:sldId id="293" r:id="rId21"/>
+    <p:sldId id="294" r:id="rId22"/>
+    <p:sldId id="270" r:id="rId23"/>
+    <p:sldId id="271" r:id="rId24"/>
+    <p:sldId id="272" r:id="rId25"/>
+    <p:sldId id="282" r:id="rId26"/>
+    <p:sldId id="286" r:id="rId27"/>
+    <p:sldId id="296" r:id="rId28"/>
+    <p:sldId id="297" r:id="rId29"/>
   </p:sldIdLst>
   <p:sldSz cx="12192000" cy="6858000"/>
   <p:notesSz cx="6858000" cy="9144000"/>
@@ -287,7 +286,7 @@
           <a:p>
             <a:fld id="{6587FAEA-F880-4778-816E-3E668AC76103}" type="datetimeFigureOut">
               <a:rPr lang="ko-KR" altLang="en-US" smtClean="0"/>
-              <a:t>2020-03-19</a:t>
+              <a:t>2020-03-20</a:t>
             </a:fld>
             <a:endParaRPr lang="ko-KR" altLang="en-US"/>
           </a:p>
@@ -485,7 +484,7 @@
           <a:p>
             <a:fld id="{6587FAEA-F880-4778-816E-3E668AC76103}" type="datetimeFigureOut">
               <a:rPr lang="ko-KR" altLang="en-US" smtClean="0"/>
-              <a:t>2020-03-19</a:t>
+              <a:t>2020-03-20</a:t>
             </a:fld>
             <a:endParaRPr lang="ko-KR" altLang="en-US"/>
           </a:p>
@@ -693,7 +692,7 @@
           <a:p>
             <a:fld id="{6587FAEA-F880-4778-816E-3E668AC76103}" type="datetimeFigureOut">
               <a:rPr lang="ko-KR" altLang="en-US" smtClean="0"/>
-              <a:t>2020-03-19</a:t>
+              <a:t>2020-03-20</a:t>
             </a:fld>
             <a:endParaRPr lang="ko-KR" altLang="en-US"/>
           </a:p>
@@ -891,7 +890,7 @@
           <a:p>
             <a:fld id="{6587FAEA-F880-4778-816E-3E668AC76103}" type="datetimeFigureOut">
               <a:rPr lang="ko-KR" altLang="en-US" smtClean="0"/>
-              <a:t>2020-03-19</a:t>
+              <a:t>2020-03-20</a:t>
             </a:fld>
             <a:endParaRPr lang="ko-KR" altLang="en-US"/>
           </a:p>
@@ -1166,7 +1165,7 @@
           <a:p>
             <a:fld id="{6587FAEA-F880-4778-816E-3E668AC76103}" type="datetimeFigureOut">
               <a:rPr lang="ko-KR" altLang="en-US" smtClean="0"/>
-              <a:t>2020-03-19</a:t>
+              <a:t>2020-03-20</a:t>
             </a:fld>
             <a:endParaRPr lang="ko-KR" altLang="en-US"/>
           </a:p>
@@ -1431,7 +1430,7 @@
           <a:p>
             <a:fld id="{6587FAEA-F880-4778-816E-3E668AC76103}" type="datetimeFigureOut">
               <a:rPr lang="ko-KR" altLang="en-US" smtClean="0"/>
-              <a:t>2020-03-19</a:t>
+              <a:t>2020-03-20</a:t>
             </a:fld>
             <a:endParaRPr lang="ko-KR" altLang="en-US"/>
           </a:p>
@@ -1843,7 +1842,7 @@
           <a:p>
             <a:fld id="{6587FAEA-F880-4778-816E-3E668AC76103}" type="datetimeFigureOut">
               <a:rPr lang="ko-KR" altLang="en-US" smtClean="0"/>
-              <a:t>2020-03-19</a:t>
+              <a:t>2020-03-20</a:t>
             </a:fld>
             <a:endParaRPr lang="ko-KR" altLang="en-US"/>
           </a:p>
@@ -1984,7 +1983,7 @@
           <a:p>
             <a:fld id="{6587FAEA-F880-4778-816E-3E668AC76103}" type="datetimeFigureOut">
               <a:rPr lang="ko-KR" altLang="en-US" smtClean="0"/>
-              <a:t>2020-03-19</a:t>
+              <a:t>2020-03-20</a:t>
             </a:fld>
             <a:endParaRPr lang="ko-KR" altLang="en-US"/>
           </a:p>
@@ -2097,7 +2096,7 @@
           <a:p>
             <a:fld id="{6587FAEA-F880-4778-816E-3E668AC76103}" type="datetimeFigureOut">
               <a:rPr lang="ko-KR" altLang="en-US" smtClean="0"/>
-              <a:t>2020-03-19</a:t>
+              <a:t>2020-03-20</a:t>
             </a:fld>
             <a:endParaRPr lang="ko-KR" altLang="en-US"/>
           </a:p>
@@ -2408,7 +2407,7 @@
           <a:p>
             <a:fld id="{6587FAEA-F880-4778-816E-3E668AC76103}" type="datetimeFigureOut">
               <a:rPr lang="ko-KR" altLang="en-US" smtClean="0"/>
-              <a:t>2020-03-19</a:t>
+              <a:t>2020-03-20</a:t>
             </a:fld>
             <a:endParaRPr lang="ko-KR" altLang="en-US"/>
           </a:p>
@@ -2696,7 +2695,7 @@
           <a:p>
             <a:fld id="{6587FAEA-F880-4778-816E-3E668AC76103}" type="datetimeFigureOut">
               <a:rPr lang="ko-KR" altLang="en-US" smtClean="0"/>
-              <a:t>2020-03-19</a:t>
+              <a:t>2020-03-20</a:t>
             </a:fld>
             <a:endParaRPr lang="ko-KR" altLang="en-US"/>
           </a:p>
@@ -2937,7 +2936,7 @@
           <a:p>
             <a:fld id="{6587FAEA-F880-4778-816E-3E668AC76103}" type="datetimeFigureOut">
               <a:rPr lang="ko-KR" altLang="en-US" smtClean="0"/>
-              <a:t>2020-03-19</a:t>
+              <a:t>2020-03-20</a:t>
             </a:fld>
             <a:endParaRPr lang="ko-KR" altLang="en-US"/>
           </a:p>
@@ -3447,7 +3446,7 @@
           <p:cNvPr id="2" name="제목 1">
             <a:extLst>
               <a:ext uri="{FF2B5EF4-FFF2-40B4-BE49-F238E27FC236}">
-                <a16:creationId xmlns:a16="http://schemas.microsoft.com/office/drawing/2014/main" id="{6DC72381-60E0-4629-97E4-BAEDECE65AE0}"/>
+                <a16:creationId xmlns:a16="http://schemas.microsoft.com/office/drawing/2014/main" id="{2C299195-CBC9-444F-89E9-C9EF09057AE9}"/>
               </a:ext>
             </a:extLst>
           </p:cNvPr>
@@ -3465,42 +3464,127 @@
           <a:p>
             <a:r>
               <a:rPr lang="en-US" altLang="ko-KR" dirty="0"/>
-              <a:t>Props </a:t>
-            </a:r>
+              <a:t>State</a:t>
+            </a:r>
+            <a:endParaRPr lang="ko-KR" altLang="en-US" dirty="0"/>
+          </a:p>
+        </p:txBody>
+      </p:sp>
+      <p:sp>
+        <p:nvSpPr>
+          <p:cNvPr id="3" name="내용 개체 틀 2">
+            <a:extLst>
+              <a:ext uri="{FF2B5EF4-FFF2-40B4-BE49-F238E27FC236}">
+                <a16:creationId xmlns:a16="http://schemas.microsoft.com/office/drawing/2014/main" id="{C062E191-72FC-4904-930C-BD9AA2184FE8}"/>
+              </a:ext>
+            </a:extLst>
+          </p:cNvPr>
+          <p:cNvSpPr>
+            <a:spLocks noGrp="1"/>
+          </p:cNvSpPr>
+          <p:nvPr>
+            <p:ph idx="1"/>
+          </p:nvPr>
+        </p:nvSpPr>
+        <p:spPr/>
+        <p:txBody>
+          <a:bodyPr/>
+          <a:lstStyle/>
+          <a:p>
             <a:r>
               <a:rPr lang="ko-KR" altLang="en-US" dirty="0"/>
-              <a:t>예제</a:t>
-            </a:r>
-          </a:p>
-        </p:txBody>
-      </p:sp>
-      <p:sp>
-        <p:nvSpPr>
-          <p:cNvPr id="5" name="내용 개체 틀 4">
-            <a:extLst>
-              <a:ext uri="{FF2B5EF4-FFF2-40B4-BE49-F238E27FC236}">
-                <a16:creationId xmlns:a16="http://schemas.microsoft.com/office/drawing/2014/main" id="{160C8FF4-E8CC-4ED6-9989-2895777FAFCF}"/>
-              </a:ext>
-            </a:extLst>
-          </p:cNvPr>
-          <p:cNvSpPr>
-            <a:spLocks noGrp="1"/>
-          </p:cNvSpPr>
-          <p:nvPr>
-            <p:ph idx="1"/>
-          </p:nvPr>
-        </p:nvSpPr>
-        <p:spPr/>
-        <p:txBody>
-          <a:bodyPr/>
-          <a:lstStyle/>
-          <a:p>
+              <a:t>컴포넌트 자신이 가지고 있는 값</a:t>
+            </a:r>
             <a:endParaRPr lang="en-US" altLang="ko-KR" dirty="0"/>
           </a:p>
           <a:p>
             <a:pPr marL="0" indent="0">
               <a:buNone/>
             </a:pPr>
+            <a:endParaRPr lang="en-US" altLang="ko-KR" dirty="0"/>
+          </a:p>
+          <a:p>
+            <a:r>
+              <a:rPr lang="en-US" altLang="ko-KR" dirty="0">
+                <a:highlight>
+                  <a:srgbClr val="FFFF00"/>
+                </a:highlight>
+              </a:rPr>
+              <a:t>“</a:t>
+            </a:r>
+            <a:r>
+              <a:rPr lang="ko-KR" altLang="en-US" dirty="0">
+                <a:highlight>
+                  <a:srgbClr val="FFFF00"/>
+                </a:highlight>
+              </a:rPr>
+              <a:t>내 데이터</a:t>
+            </a:r>
+            <a:r>
+              <a:rPr lang="en-US" altLang="ko-KR" dirty="0">
+                <a:highlight>
+                  <a:srgbClr val="FFFF00"/>
+                </a:highlight>
+              </a:rPr>
+              <a:t>”</a:t>
+            </a:r>
+          </a:p>
+          <a:p>
+            <a:endParaRPr lang="en-US" altLang="ko-KR" dirty="0"/>
+          </a:p>
+          <a:p>
+            <a:r>
+              <a:rPr lang="ko-KR" altLang="en-US" dirty="0"/>
+              <a:t>바뀔 수 있는 데이터야</a:t>
+            </a:r>
+            <a:r>
+              <a:rPr lang="en-US" altLang="ko-KR" dirty="0"/>
+              <a:t>?</a:t>
+            </a:r>
+          </a:p>
+          <a:p>
+            <a:r>
+              <a:rPr lang="ko-KR" altLang="en-US" dirty="0"/>
+              <a:t>당연</a:t>
+            </a:r>
+            <a:r>
+              <a:rPr lang="en-US" altLang="ko-KR" dirty="0"/>
+              <a:t>. </a:t>
+            </a:r>
+            <a:r>
+              <a:rPr lang="ko-KR" altLang="en-US" dirty="0"/>
+              <a:t>내 </a:t>
+            </a:r>
+            <a:r>
+              <a:rPr lang="ko-KR" altLang="en-US" dirty="0" err="1"/>
+              <a:t>데이터니까</a:t>
+            </a:r>
+            <a:r>
+              <a:rPr lang="en-US" altLang="ko-KR" dirty="0"/>
+              <a:t>.</a:t>
+            </a:r>
+          </a:p>
+          <a:p>
+            <a:r>
+              <a:rPr lang="ko-KR" altLang="en-US" dirty="0"/>
+              <a:t>어떻게 바꾸나</a:t>
+            </a:r>
+            <a:r>
+              <a:rPr lang="en-US" altLang="ko-KR" dirty="0"/>
+              <a:t>? </a:t>
+            </a:r>
+            <a:r>
+              <a:rPr lang="en-US" altLang="ko-KR" dirty="0" err="1">
+                <a:highlight>
+                  <a:srgbClr val="FFFF00"/>
+                </a:highlight>
+              </a:rPr>
+              <a:t>setState</a:t>
+            </a:r>
+            <a:r>
+              <a:rPr lang="en-US" altLang="ko-KR" dirty="0"/>
+              <a:t>!</a:t>
+            </a:r>
             <a:endParaRPr lang="ko-KR" altLang="en-US" dirty="0"/>
           </a:p>
         </p:txBody>
@@ -3508,7 +3592,7 @@
     </p:spTree>
     <p:extLst>
       <p:ext uri="{BB962C8B-B14F-4D97-AF65-F5344CB8AC3E}">
-        <p14:creationId xmlns:p14="http://schemas.microsoft.com/office/powerpoint/2010/main" val="900605117"/>
+        <p14:creationId xmlns:p14="http://schemas.microsoft.com/office/powerpoint/2010/main" val="2959543817"/>
       </p:ext>
     </p:extLst>
   </p:cSld>
@@ -3540,168 +3624,6 @@
           <p:cNvPr id="2" name="제목 1">
             <a:extLst>
               <a:ext uri="{FF2B5EF4-FFF2-40B4-BE49-F238E27FC236}">
-                <a16:creationId xmlns:a16="http://schemas.microsoft.com/office/drawing/2014/main" id="{2C299195-CBC9-444F-89E9-C9EF09057AE9}"/>
-              </a:ext>
-            </a:extLst>
-          </p:cNvPr>
-          <p:cNvSpPr>
-            <a:spLocks noGrp="1"/>
-          </p:cNvSpPr>
-          <p:nvPr>
-            <p:ph type="title"/>
-          </p:nvPr>
-        </p:nvSpPr>
-        <p:spPr/>
-        <p:txBody>
-          <a:bodyPr/>
-          <a:lstStyle/>
-          <a:p>
-            <a:r>
-              <a:rPr lang="en-US" altLang="ko-KR" dirty="0"/>
-              <a:t>State</a:t>
-            </a:r>
-            <a:endParaRPr lang="ko-KR" altLang="en-US" dirty="0"/>
-          </a:p>
-        </p:txBody>
-      </p:sp>
-      <p:sp>
-        <p:nvSpPr>
-          <p:cNvPr id="3" name="내용 개체 틀 2">
-            <a:extLst>
-              <a:ext uri="{FF2B5EF4-FFF2-40B4-BE49-F238E27FC236}">
-                <a16:creationId xmlns:a16="http://schemas.microsoft.com/office/drawing/2014/main" id="{C062E191-72FC-4904-930C-BD9AA2184FE8}"/>
-              </a:ext>
-            </a:extLst>
-          </p:cNvPr>
-          <p:cNvSpPr>
-            <a:spLocks noGrp="1"/>
-          </p:cNvSpPr>
-          <p:nvPr>
-            <p:ph idx="1"/>
-          </p:nvPr>
-        </p:nvSpPr>
-        <p:spPr/>
-        <p:txBody>
-          <a:bodyPr/>
-          <a:lstStyle/>
-          <a:p>
-            <a:r>
-              <a:rPr lang="ko-KR" altLang="en-US" dirty="0"/>
-              <a:t>컴포넌트 자신이 가지고 있는 값</a:t>
-            </a:r>
-            <a:endParaRPr lang="en-US" altLang="ko-KR" dirty="0"/>
-          </a:p>
-          <a:p>
-            <a:pPr marL="0" indent="0">
-              <a:buNone/>
-            </a:pPr>
-            <a:endParaRPr lang="en-US" altLang="ko-KR" dirty="0"/>
-          </a:p>
-          <a:p>
-            <a:r>
-              <a:rPr lang="en-US" altLang="ko-KR" dirty="0"/>
-              <a:t>“</a:t>
-            </a:r>
-            <a:r>
-              <a:rPr lang="ko-KR" altLang="en-US" dirty="0"/>
-              <a:t>내 데이터</a:t>
-            </a:r>
-            <a:r>
-              <a:rPr lang="en-US" altLang="ko-KR" dirty="0"/>
-              <a:t>”</a:t>
-            </a:r>
-          </a:p>
-          <a:p>
-            <a:endParaRPr lang="en-US" altLang="ko-KR" dirty="0"/>
-          </a:p>
-          <a:p>
-            <a:r>
-              <a:rPr lang="ko-KR" altLang="en-US" dirty="0"/>
-              <a:t>바뀔 수 있는 데이터야</a:t>
-            </a:r>
-            <a:r>
-              <a:rPr lang="en-US" altLang="ko-KR" dirty="0"/>
-              <a:t>?</a:t>
-            </a:r>
-          </a:p>
-          <a:p>
-            <a:r>
-              <a:rPr lang="ko-KR" altLang="en-US" dirty="0"/>
-              <a:t>당연</a:t>
-            </a:r>
-            <a:r>
-              <a:rPr lang="en-US" altLang="ko-KR" dirty="0"/>
-              <a:t>. </a:t>
-            </a:r>
-            <a:r>
-              <a:rPr lang="ko-KR" altLang="en-US" dirty="0"/>
-              <a:t>내 </a:t>
-            </a:r>
-            <a:r>
-              <a:rPr lang="ko-KR" altLang="en-US" dirty="0" err="1"/>
-              <a:t>데이터니까</a:t>
-            </a:r>
-            <a:r>
-              <a:rPr lang="en-US" altLang="ko-KR" dirty="0"/>
-              <a:t>.</a:t>
-            </a:r>
-          </a:p>
-          <a:p>
-            <a:r>
-              <a:rPr lang="ko-KR" altLang="en-US" dirty="0"/>
-              <a:t>어떻게 바꾸나</a:t>
-            </a:r>
-            <a:r>
-              <a:rPr lang="en-US" altLang="ko-KR" dirty="0"/>
-              <a:t>? </a:t>
-            </a:r>
-            <a:r>
-              <a:rPr lang="en-US" altLang="ko-KR" dirty="0" err="1"/>
-              <a:t>setState</a:t>
-            </a:r>
-            <a:r>
-              <a:rPr lang="en-US" altLang="ko-KR" dirty="0"/>
-              <a:t>!</a:t>
-            </a:r>
-            <a:endParaRPr lang="ko-KR" altLang="en-US" dirty="0"/>
-          </a:p>
-        </p:txBody>
-      </p:sp>
-    </p:spTree>
-    <p:extLst>
-      <p:ext uri="{BB962C8B-B14F-4D97-AF65-F5344CB8AC3E}">
-        <p14:creationId xmlns:p14="http://schemas.microsoft.com/office/powerpoint/2010/main" val="2959543817"/>
-      </p:ext>
-    </p:extLst>
-  </p:cSld>
-  <p:clrMapOvr>
-    <a:masterClrMapping/>
-  </p:clrMapOvr>
-</p:sld>
-</file>
-
-<file path=ppt/slides/slide12.xml><?xml version="1.0" encoding="utf-8"?>
-<p:sld xmlns:a="http://schemas.openxmlformats.org/drawingml/2006/main" xmlns:r="http://schemas.openxmlformats.org/officeDocument/2006/relationships" xmlns:p="http://schemas.openxmlformats.org/presentationml/2006/main">
-  <p:cSld>
-    <p:spTree>
-      <p:nvGrpSpPr>
-        <p:cNvPr id="1" name=""/>
-        <p:cNvGrpSpPr/>
-        <p:nvPr/>
-      </p:nvGrpSpPr>
-      <p:grpSpPr>
-        <a:xfrm>
-          <a:off x="0" y="0"/>
-          <a:ext cx="0" cy="0"/>
-          <a:chOff x="0" y="0"/>
-          <a:chExt cx="0" cy="0"/>
-        </a:xfrm>
-      </p:grpSpPr>
-      <p:sp>
-        <p:nvSpPr>
-          <p:cNvPr id="2" name="제목 1">
-            <a:extLst>
-              <a:ext uri="{FF2B5EF4-FFF2-40B4-BE49-F238E27FC236}">
                 <a16:creationId xmlns:a16="http://schemas.microsoft.com/office/drawing/2014/main" id="{1419573B-B963-45D1-BAA4-9C126B9BA0D5}"/>
               </a:ext>
             </a:extLst>
@@ -3778,7 +3700,7 @@
 </p:sld>
 </file>
 
-<file path=ppt/slides/slide13.xml><?xml version="1.0" encoding="utf-8"?>
+<file path=ppt/slides/slide12.xml><?xml version="1.0" encoding="utf-8"?>
 <p:sld xmlns:a="http://schemas.openxmlformats.org/drawingml/2006/main" xmlns:r="http://schemas.openxmlformats.org/officeDocument/2006/relationships" xmlns:p="http://schemas.openxmlformats.org/presentationml/2006/main">
   <p:cSld>
     <p:spTree>
@@ -4245,7 +4167,7 @@
 </p:sld>
 </file>
 
-<file path=ppt/slides/slide14.xml><?xml version="1.0" encoding="utf-8"?>
+<file path=ppt/slides/slide13.xml><?xml version="1.0" encoding="utf-8"?>
 <p:sld xmlns:a="http://schemas.openxmlformats.org/drawingml/2006/main" xmlns:r="http://schemas.openxmlformats.org/officeDocument/2006/relationships" xmlns:p="http://schemas.openxmlformats.org/presentationml/2006/main">
   <p:cSld>
     <p:spTree>
@@ -4409,7 +4331,7 @@
 </p:sld>
 </file>
 
-<file path=ppt/slides/slide15.xml><?xml version="1.0" encoding="utf-8"?>
+<file path=ppt/slides/slide14.xml><?xml version="1.0" encoding="utf-8"?>
 <p:sld xmlns:a="http://schemas.openxmlformats.org/drawingml/2006/main" xmlns:r="http://schemas.openxmlformats.org/officeDocument/2006/relationships" xmlns:p="http://schemas.openxmlformats.org/presentationml/2006/main">
   <p:cSld>
     <p:spTree>
@@ -4469,7 +4391,7 @@
 </p:sld>
 </file>
 
-<file path=ppt/slides/slide16.xml><?xml version="1.0" encoding="utf-8"?>
+<file path=ppt/slides/slide15.xml><?xml version="1.0" encoding="utf-8"?>
 <p:sld xmlns:a="http://schemas.openxmlformats.org/drawingml/2006/main" xmlns:r="http://schemas.openxmlformats.org/officeDocument/2006/relationships" xmlns:p="http://schemas.openxmlformats.org/presentationml/2006/main">
   <p:cSld>
     <p:spTree>
@@ -4529,7 +4451,7 @@
 </p:sld>
 </file>
 
-<file path=ppt/slides/slide17.xml><?xml version="1.0" encoding="utf-8"?>
+<file path=ppt/slides/slide16.xml><?xml version="1.0" encoding="utf-8"?>
 <p:sld xmlns:a="http://schemas.openxmlformats.org/drawingml/2006/main" xmlns:r="http://schemas.openxmlformats.org/officeDocument/2006/relationships" xmlns:p="http://schemas.openxmlformats.org/presentationml/2006/main">
   <p:cSld>
     <p:spTree>
@@ -4589,7 +4511,7 @@
 </p:sld>
 </file>
 
-<file path=ppt/slides/slide18.xml><?xml version="1.0" encoding="utf-8"?>
+<file path=ppt/slides/slide17.xml><?xml version="1.0" encoding="utf-8"?>
 <p:sld xmlns:a="http://schemas.openxmlformats.org/drawingml/2006/main" xmlns:r="http://schemas.openxmlformats.org/officeDocument/2006/relationships" xmlns:p="http://schemas.openxmlformats.org/presentationml/2006/main">
   <p:cSld>
     <p:spTree>
@@ -4649,7 +4571,7 @@
 </p:sld>
 </file>
 
-<file path=ppt/slides/slide19.xml><?xml version="1.0" encoding="utf-8"?>
+<file path=ppt/slides/slide18.xml><?xml version="1.0" encoding="utf-8"?>
 <p:sld xmlns:a="http://schemas.openxmlformats.org/drawingml/2006/main" xmlns:r="http://schemas.openxmlformats.org/officeDocument/2006/relationships" xmlns:p="http://schemas.openxmlformats.org/presentationml/2006/main">
   <p:cSld>
     <p:spTree>
@@ -4813,6 +4735,178 @@
 </p:sld>
 </file>
 
+<file path=ppt/slides/slide19.xml><?xml version="1.0" encoding="utf-8"?>
+<p:sld xmlns:a="http://schemas.openxmlformats.org/drawingml/2006/main" xmlns:r="http://schemas.openxmlformats.org/officeDocument/2006/relationships" xmlns:p="http://schemas.openxmlformats.org/presentationml/2006/main">
+  <p:cSld>
+    <p:spTree>
+      <p:nvGrpSpPr>
+        <p:cNvPr id="1" name=""/>
+        <p:cNvGrpSpPr/>
+        <p:nvPr/>
+      </p:nvGrpSpPr>
+      <p:grpSpPr>
+        <a:xfrm>
+          <a:off x="0" y="0"/>
+          <a:ext cx="0" cy="0"/>
+          <a:chOff x="0" y="0"/>
+          <a:chExt cx="0" cy="0"/>
+        </a:xfrm>
+      </p:grpSpPr>
+      <p:sp>
+        <p:nvSpPr>
+          <p:cNvPr id="3" name="내용 개체 틀 2">
+            <a:extLst>
+              <a:ext uri="{FF2B5EF4-FFF2-40B4-BE49-F238E27FC236}">
+                <a16:creationId xmlns:a16="http://schemas.microsoft.com/office/drawing/2014/main" id="{92547F09-DEB6-457C-A0BC-19C931EAB2DF}"/>
+              </a:ext>
+            </a:extLst>
+          </p:cNvPr>
+          <p:cNvSpPr>
+            <a:spLocks noGrp="1"/>
+          </p:cNvSpPr>
+          <p:nvPr>
+            <p:ph idx="1"/>
+          </p:nvPr>
+        </p:nvSpPr>
+        <p:spPr/>
+        <p:txBody>
+          <a:bodyPr>
+            <a:normAutofit/>
+          </a:bodyPr>
+          <a:lstStyle/>
+          <a:p>
+            <a:pPr marL="0" indent="0" algn="ctr">
+              <a:buNone/>
+            </a:pPr>
+            <a:endParaRPr lang="en-US" altLang="ko-KR" sz="3600" dirty="0"/>
+          </a:p>
+          <a:p>
+            <a:pPr marL="0" indent="0" algn="ctr">
+              <a:buNone/>
+            </a:pPr>
+            <a:endParaRPr lang="en-US" altLang="ko-KR" sz="3600" dirty="0"/>
+          </a:p>
+          <a:p>
+            <a:pPr marL="0" indent="0" algn="ctr">
+              <a:buNone/>
+            </a:pPr>
+            <a:r>
+              <a:rPr lang="en-US" altLang="ko-KR" sz="3600" dirty="0"/>
+              <a:t>“</a:t>
+            </a:r>
+            <a:r>
+              <a:rPr lang="ko-KR" altLang="en-US" sz="3600" dirty="0"/>
+              <a:t>여기에 </a:t>
+            </a:r>
+            <a:r>
+              <a:rPr lang="en-US" altLang="ko-KR" sz="3600" dirty="0"/>
+              <a:t>+</a:t>
+            </a:r>
+            <a:r>
+              <a:rPr lang="ko-KR" altLang="en-US" sz="3600" dirty="0"/>
+              <a:t>버튼이 있는데</a:t>
+            </a:r>
+            <a:r>
+              <a:rPr lang="en-US" altLang="ko-KR" sz="3600" dirty="0"/>
+              <a:t>(=</a:t>
+            </a:r>
+            <a:r>
+              <a:rPr lang="ko-KR" altLang="en-US" sz="3600" dirty="0"/>
+              <a:t>보이는데</a:t>
+            </a:r>
+            <a:r>
+              <a:rPr lang="en-US" altLang="ko-KR" sz="3600" dirty="0"/>
+              <a:t>)</a:t>
+            </a:r>
+            <a:r>
+              <a:rPr lang="ko-KR" altLang="en-US" sz="3600" dirty="0"/>
+              <a:t> 클릭하면 </a:t>
+            </a:r>
+            <a:endParaRPr lang="en-US" altLang="ko-KR" sz="3600" dirty="0"/>
+          </a:p>
+          <a:p>
+            <a:pPr marL="0" indent="0" algn="ctr">
+              <a:buNone/>
+            </a:pPr>
+            <a:r>
+              <a:rPr lang="ko-KR" altLang="en-US" sz="3600" dirty="0"/>
+              <a:t>이 컴포넌트의 </a:t>
+            </a:r>
+            <a:r>
+              <a:rPr lang="en-US" altLang="ko-KR" sz="3600" dirty="0" err="1"/>
+              <a:t>handleIncrease</a:t>
+            </a:r>
+            <a:r>
+              <a:rPr lang="ko-KR" altLang="en-US" sz="3600" dirty="0"/>
+              <a:t>함수를 실행시켜줘</a:t>
+            </a:r>
+            <a:r>
+              <a:rPr lang="en-US" altLang="ko-KR" sz="3600" dirty="0"/>
+              <a:t>!”</a:t>
+            </a:r>
+          </a:p>
+          <a:p>
+            <a:pPr marL="0" indent="0" algn="ctr">
+              <a:buNone/>
+            </a:pPr>
+            <a:endParaRPr lang="en-US" altLang="ko-KR" sz="3600" dirty="0"/>
+          </a:p>
+        </p:txBody>
+      </p:sp>
+      <p:sp>
+        <p:nvSpPr>
+          <p:cNvPr id="7" name="제목 1">
+            <a:extLst>
+              <a:ext uri="{FF2B5EF4-FFF2-40B4-BE49-F238E27FC236}">
+                <a16:creationId xmlns:a16="http://schemas.microsoft.com/office/drawing/2014/main" id="{278BDD95-32CE-4699-B97D-3B4CB0904758}"/>
+              </a:ext>
+            </a:extLst>
+          </p:cNvPr>
+          <p:cNvSpPr>
+            <a:spLocks noGrp="1"/>
+          </p:cNvSpPr>
+          <p:nvPr>
+            <p:ph type="title"/>
+          </p:nvPr>
+        </p:nvSpPr>
+        <p:spPr>
+          <a:xfrm>
+            <a:off x="838200" y="365125"/>
+            <a:ext cx="10515600" cy="1325563"/>
+          </a:xfrm>
+        </p:spPr>
+        <p:txBody>
+          <a:bodyPr/>
+          <a:lstStyle/>
+          <a:p>
+            <a:r>
+              <a:rPr lang="ko-KR" altLang="en-US" dirty="0"/>
+              <a:t>큰 그림 먼저 그리기 </a:t>
+            </a:r>
+            <a:r>
+              <a:rPr lang="en-US" altLang="ko-KR" dirty="0"/>
+              <a:t>: State</a:t>
+            </a:r>
+            <a:r>
+              <a:rPr lang="ko-KR" altLang="en-US" dirty="0"/>
+              <a:t> 조작하기</a:t>
+            </a:r>
+          </a:p>
+        </p:txBody>
+      </p:sp>
+    </p:spTree>
+    <p:extLst>
+      <p:ext uri="{BB962C8B-B14F-4D97-AF65-F5344CB8AC3E}">
+        <p14:creationId xmlns:p14="http://schemas.microsoft.com/office/powerpoint/2010/main" val="2536575548"/>
+      </p:ext>
+    </p:extLst>
+  </p:cSld>
+  <p:clrMapOvr>
+    <a:masterClrMapping/>
+  </p:clrMapOvr>
+</p:sld>
+</file>
+
 <file path=ppt/slides/slide2.xml><?xml version="1.0" encoding="utf-8"?>
 <p:sld xmlns:a="http://schemas.openxmlformats.org/drawingml/2006/main" xmlns:r="http://schemas.openxmlformats.org/officeDocument/2006/relationships" xmlns:p="http://schemas.openxmlformats.org/presentationml/2006/main">
   <p:cSld>
@@ -4947,178 +5041,6 @@
 </file>
 
 <file path=ppt/slides/slide20.xml><?xml version="1.0" encoding="utf-8"?>
-<p:sld xmlns:a="http://schemas.openxmlformats.org/drawingml/2006/main" xmlns:r="http://schemas.openxmlformats.org/officeDocument/2006/relationships" xmlns:p="http://schemas.openxmlformats.org/presentationml/2006/main">
-  <p:cSld>
-    <p:spTree>
-      <p:nvGrpSpPr>
-        <p:cNvPr id="1" name=""/>
-        <p:cNvGrpSpPr/>
-        <p:nvPr/>
-      </p:nvGrpSpPr>
-      <p:grpSpPr>
-        <a:xfrm>
-          <a:off x="0" y="0"/>
-          <a:ext cx="0" cy="0"/>
-          <a:chOff x="0" y="0"/>
-          <a:chExt cx="0" cy="0"/>
-        </a:xfrm>
-      </p:grpSpPr>
-      <p:sp>
-        <p:nvSpPr>
-          <p:cNvPr id="3" name="내용 개체 틀 2">
-            <a:extLst>
-              <a:ext uri="{FF2B5EF4-FFF2-40B4-BE49-F238E27FC236}">
-                <a16:creationId xmlns:a16="http://schemas.microsoft.com/office/drawing/2014/main" id="{92547F09-DEB6-457C-A0BC-19C931EAB2DF}"/>
-              </a:ext>
-            </a:extLst>
-          </p:cNvPr>
-          <p:cNvSpPr>
-            <a:spLocks noGrp="1"/>
-          </p:cNvSpPr>
-          <p:nvPr>
-            <p:ph idx="1"/>
-          </p:nvPr>
-        </p:nvSpPr>
-        <p:spPr/>
-        <p:txBody>
-          <a:bodyPr>
-            <a:normAutofit/>
-          </a:bodyPr>
-          <a:lstStyle/>
-          <a:p>
-            <a:pPr marL="0" indent="0" algn="ctr">
-              <a:buNone/>
-            </a:pPr>
-            <a:endParaRPr lang="en-US" altLang="ko-KR" sz="3600" dirty="0"/>
-          </a:p>
-          <a:p>
-            <a:pPr marL="0" indent="0" algn="ctr">
-              <a:buNone/>
-            </a:pPr>
-            <a:endParaRPr lang="en-US" altLang="ko-KR" sz="3600" dirty="0"/>
-          </a:p>
-          <a:p>
-            <a:pPr marL="0" indent="0" algn="ctr">
-              <a:buNone/>
-            </a:pPr>
-            <a:r>
-              <a:rPr lang="en-US" altLang="ko-KR" sz="3600" dirty="0"/>
-              <a:t>“</a:t>
-            </a:r>
-            <a:r>
-              <a:rPr lang="ko-KR" altLang="en-US" sz="3600" dirty="0"/>
-              <a:t>여기에 </a:t>
-            </a:r>
-            <a:r>
-              <a:rPr lang="en-US" altLang="ko-KR" sz="3600" dirty="0"/>
-              <a:t>+</a:t>
-            </a:r>
-            <a:r>
-              <a:rPr lang="ko-KR" altLang="en-US" sz="3600" dirty="0"/>
-              <a:t>버튼이 있는데</a:t>
-            </a:r>
-            <a:r>
-              <a:rPr lang="en-US" altLang="ko-KR" sz="3600" dirty="0"/>
-              <a:t>(=</a:t>
-            </a:r>
-            <a:r>
-              <a:rPr lang="ko-KR" altLang="en-US" sz="3600" dirty="0"/>
-              <a:t>보이는데</a:t>
-            </a:r>
-            <a:r>
-              <a:rPr lang="en-US" altLang="ko-KR" sz="3600" dirty="0"/>
-              <a:t>)</a:t>
-            </a:r>
-            <a:r>
-              <a:rPr lang="ko-KR" altLang="en-US" sz="3600" dirty="0"/>
-              <a:t> 클릭하면 </a:t>
-            </a:r>
-            <a:endParaRPr lang="en-US" altLang="ko-KR" sz="3600" dirty="0"/>
-          </a:p>
-          <a:p>
-            <a:pPr marL="0" indent="0" algn="ctr">
-              <a:buNone/>
-            </a:pPr>
-            <a:r>
-              <a:rPr lang="ko-KR" altLang="en-US" sz="3600" dirty="0"/>
-              <a:t>이 컴포넌트의 </a:t>
-            </a:r>
-            <a:r>
-              <a:rPr lang="en-US" altLang="ko-KR" sz="3600" dirty="0" err="1"/>
-              <a:t>handleIncrease</a:t>
-            </a:r>
-            <a:r>
-              <a:rPr lang="ko-KR" altLang="en-US" sz="3600" dirty="0"/>
-              <a:t>함수를 실행시켜줘</a:t>
-            </a:r>
-            <a:r>
-              <a:rPr lang="en-US" altLang="ko-KR" sz="3600" dirty="0"/>
-              <a:t>!”</a:t>
-            </a:r>
-          </a:p>
-          <a:p>
-            <a:pPr marL="0" indent="0" algn="ctr">
-              <a:buNone/>
-            </a:pPr>
-            <a:endParaRPr lang="en-US" altLang="ko-KR" sz="3600" dirty="0"/>
-          </a:p>
-        </p:txBody>
-      </p:sp>
-      <p:sp>
-        <p:nvSpPr>
-          <p:cNvPr id="7" name="제목 1">
-            <a:extLst>
-              <a:ext uri="{FF2B5EF4-FFF2-40B4-BE49-F238E27FC236}">
-                <a16:creationId xmlns:a16="http://schemas.microsoft.com/office/drawing/2014/main" id="{278BDD95-32CE-4699-B97D-3B4CB0904758}"/>
-              </a:ext>
-            </a:extLst>
-          </p:cNvPr>
-          <p:cNvSpPr>
-            <a:spLocks noGrp="1"/>
-          </p:cNvSpPr>
-          <p:nvPr>
-            <p:ph type="title"/>
-          </p:nvPr>
-        </p:nvSpPr>
-        <p:spPr>
-          <a:xfrm>
-            <a:off x="838200" y="365125"/>
-            <a:ext cx="10515600" cy="1325563"/>
-          </a:xfrm>
-        </p:spPr>
-        <p:txBody>
-          <a:bodyPr/>
-          <a:lstStyle/>
-          <a:p>
-            <a:r>
-              <a:rPr lang="ko-KR" altLang="en-US" dirty="0"/>
-              <a:t>큰 그림 먼저 그리기 </a:t>
-            </a:r>
-            <a:r>
-              <a:rPr lang="en-US" altLang="ko-KR" dirty="0"/>
-              <a:t>: State</a:t>
-            </a:r>
-            <a:r>
-              <a:rPr lang="ko-KR" altLang="en-US" dirty="0"/>
-              <a:t> 조작하기</a:t>
-            </a:r>
-          </a:p>
-        </p:txBody>
-      </p:sp>
-    </p:spTree>
-    <p:extLst>
-      <p:ext uri="{BB962C8B-B14F-4D97-AF65-F5344CB8AC3E}">
-        <p14:creationId xmlns:p14="http://schemas.microsoft.com/office/powerpoint/2010/main" val="2536575548"/>
-      </p:ext>
-    </p:extLst>
-  </p:cSld>
-  <p:clrMapOvr>
-    <a:masterClrMapping/>
-  </p:clrMapOvr>
-</p:sld>
-</file>
-
-<file path=ppt/slides/slide21.xml><?xml version="1.0" encoding="utf-8"?>
 <p:sld xmlns:a="http://schemas.openxmlformats.org/drawingml/2006/main" xmlns:r="http://schemas.openxmlformats.org/officeDocument/2006/relationships" xmlns:p="http://schemas.openxmlformats.org/presentationml/2006/main">
   <p:cSld>
     <p:spTree>
@@ -5315,7 +5237,7 @@
 </p:sld>
 </file>
 
-<file path=ppt/slides/slide22.xml><?xml version="1.0" encoding="utf-8"?>
+<file path=ppt/slides/slide21.xml><?xml version="1.0" encoding="utf-8"?>
 <p:sld xmlns:a="http://schemas.openxmlformats.org/drawingml/2006/main" xmlns:r="http://schemas.openxmlformats.org/officeDocument/2006/relationships" xmlns:p="http://schemas.openxmlformats.org/presentationml/2006/main">
   <p:cSld>
     <p:spTree>
@@ -5482,7 +5404,7 @@
 </p:sld>
 </file>
 
-<file path=ppt/slides/slide23.xml><?xml version="1.0" encoding="utf-8"?>
+<file path=ppt/slides/slide22.xml><?xml version="1.0" encoding="utf-8"?>
 <p:sld xmlns:a="http://schemas.openxmlformats.org/drawingml/2006/main" xmlns:r="http://schemas.openxmlformats.org/officeDocument/2006/relationships" xmlns:p="http://schemas.openxmlformats.org/presentationml/2006/main">
   <p:cSld>
     <p:spTree>
@@ -5542,7 +5464,7 @@
 </p:sld>
 </file>
 
-<file path=ppt/slides/slide24.xml><?xml version="1.0" encoding="utf-8"?>
+<file path=ppt/slides/slide23.xml><?xml version="1.0" encoding="utf-8"?>
 <p:sld xmlns:a="http://schemas.openxmlformats.org/drawingml/2006/main" xmlns:r="http://schemas.openxmlformats.org/officeDocument/2006/relationships" xmlns:p="http://schemas.openxmlformats.org/presentationml/2006/main">
   <p:cSld>
     <p:spTree>
@@ -5720,7 +5642,7 @@
 </p:sld>
 </file>
 
-<file path=ppt/slides/slide25.xml><?xml version="1.0" encoding="utf-8"?>
+<file path=ppt/slides/slide24.xml><?xml version="1.0" encoding="utf-8"?>
 <p:sld xmlns:a="http://schemas.openxmlformats.org/drawingml/2006/main" xmlns:r="http://schemas.openxmlformats.org/officeDocument/2006/relationships" xmlns:p="http://schemas.openxmlformats.org/presentationml/2006/main">
   <p:cSld>
     <p:spTree>
@@ -5811,6 +5733,210 @@
 </p:sld>
 </file>
 
+<file path=ppt/slides/slide25.xml><?xml version="1.0" encoding="utf-8"?>
+<p:sld xmlns:a="http://schemas.openxmlformats.org/drawingml/2006/main" xmlns:r="http://schemas.openxmlformats.org/officeDocument/2006/relationships" xmlns:p="http://schemas.openxmlformats.org/presentationml/2006/main">
+  <p:cSld>
+    <p:spTree>
+      <p:nvGrpSpPr>
+        <p:cNvPr id="1" name=""/>
+        <p:cNvGrpSpPr/>
+        <p:nvPr/>
+      </p:nvGrpSpPr>
+      <p:grpSpPr>
+        <a:xfrm>
+          <a:off x="0" y="0"/>
+          <a:ext cx="0" cy="0"/>
+          <a:chOff x="0" y="0"/>
+          <a:chExt cx="0" cy="0"/>
+        </a:xfrm>
+      </p:grpSpPr>
+      <p:sp>
+        <p:nvSpPr>
+          <p:cNvPr id="9" name="제목 1">
+            <a:extLst>
+              <a:ext uri="{FF2B5EF4-FFF2-40B4-BE49-F238E27FC236}">
+                <a16:creationId xmlns:a16="http://schemas.microsoft.com/office/drawing/2014/main" id="{81C7C27D-3B46-4D0F-9AC1-F36010EB61E2}"/>
+              </a:ext>
+            </a:extLst>
+          </p:cNvPr>
+          <p:cNvSpPr>
+            <a:spLocks noGrp="1"/>
+          </p:cNvSpPr>
+          <p:nvPr>
+            <p:ph type="title"/>
+          </p:nvPr>
+        </p:nvSpPr>
+        <p:spPr>
+          <a:xfrm>
+            <a:off x="838200" y="365125"/>
+            <a:ext cx="10515600" cy="1325563"/>
+          </a:xfrm>
+        </p:spPr>
+        <p:txBody>
+          <a:bodyPr/>
+          <a:lstStyle/>
+          <a:p>
+            <a:r>
+              <a:rPr lang="en-US" altLang="ko-KR" dirty="0" err="1"/>
+              <a:t>LifeCycle</a:t>
+            </a:r>
+            <a:r>
+              <a:rPr lang="ko-KR" altLang="en-US" dirty="0"/>
+              <a:t> </a:t>
+            </a:r>
+            <a:r>
+              <a:rPr lang="en-US" altLang="ko-KR" dirty="0"/>
+              <a:t>API</a:t>
+            </a:r>
+            <a:endParaRPr lang="ko-KR" altLang="en-US" dirty="0"/>
+          </a:p>
+        </p:txBody>
+      </p:sp>
+      <p:sp>
+        <p:nvSpPr>
+          <p:cNvPr id="3" name="내용 개체 틀 2">
+            <a:extLst>
+              <a:ext uri="{FF2B5EF4-FFF2-40B4-BE49-F238E27FC236}">
+                <a16:creationId xmlns:a16="http://schemas.microsoft.com/office/drawing/2014/main" id="{5BA4782F-261E-4FF7-8235-7F6ABD67B660}"/>
+              </a:ext>
+            </a:extLst>
+          </p:cNvPr>
+          <p:cNvSpPr>
+            <a:spLocks noGrp="1"/>
+          </p:cNvSpPr>
+          <p:nvPr>
+            <p:ph idx="1"/>
+          </p:nvPr>
+        </p:nvSpPr>
+        <p:spPr>
+          <a:xfrm>
+            <a:off x="838200" y="1825625"/>
+            <a:ext cx="10515600" cy="4351338"/>
+          </a:xfrm>
+        </p:spPr>
+        <p:txBody>
+          <a:bodyPr>
+            <a:normAutofit/>
+          </a:bodyPr>
+          <a:lstStyle/>
+          <a:p>
+            <a:pPr marL="0" indent="0" algn="ctr">
+              <a:buNone/>
+            </a:pPr>
+            <a:r>
+              <a:rPr lang="ko-KR" altLang="en-US" sz="4400" dirty="0"/>
+              <a:t>단축키</a:t>
+            </a:r>
+            <a:r>
+              <a:rPr lang="en-US" altLang="ko-KR" sz="4400" dirty="0"/>
+              <a:t> : </a:t>
+            </a:r>
+            <a:r>
+              <a:rPr lang="en-US" altLang="ko-KR" sz="4400" dirty="0" err="1">
+                <a:highlight>
+                  <a:srgbClr val="FFFF00"/>
+                </a:highlight>
+              </a:rPr>
+              <a:t>rcfc</a:t>
+            </a:r>
+            <a:endParaRPr lang="en-US" altLang="ko-KR" sz="4400" dirty="0">
+              <a:highlight>
+                <a:srgbClr val="FFFF00"/>
+              </a:highlight>
+            </a:endParaRPr>
+          </a:p>
+          <a:p>
+            <a:pPr marL="0" indent="0" algn="ctr">
+              <a:buNone/>
+            </a:pPr>
+            <a:endParaRPr lang="en-US" altLang="ko-KR" sz="5400" dirty="0"/>
+          </a:p>
+          <a:p>
+            <a:pPr marL="0" indent="0" algn="ctr">
+              <a:buNone/>
+            </a:pPr>
+            <a:r>
+              <a:rPr lang="en-US" altLang="ko-KR" sz="5400" dirty="0">
+                <a:solidFill>
+                  <a:srgbClr val="FF0000"/>
+                </a:solidFill>
+              </a:rPr>
+              <a:t>“</a:t>
+            </a:r>
+            <a:r>
+              <a:rPr lang="ko-KR" altLang="en-US" sz="5400" dirty="0">
+                <a:solidFill>
+                  <a:srgbClr val="FF0000"/>
+                </a:solidFill>
+              </a:rPr>
+              <a:t>언제 </a:t>
+            </a:r>
+            <a:r>
+              <a:rPr lang="ko-KR" altLang="en-US" sz="5400" dirty="0" err="1">
+                <a:solidFill>
+                  <a:srgbClr val="FF0000"/>
+                </a:solidFill>
+              </a:rPr>
+              <a:t>보여줄꺼야</a:t>
+            </a:r>
+            <a:r>
+              <a:rPr lang="en-US" altLang="ko-KR" sz="5400" dirty="0">
+                <a:solidFill>
+                  <a:srgbClr val="FF0000"/>
+                </a:solidFill>
+              </a:rPr>
+              <a:t>?”</a:t>
+            </a:r>
+          </a:p>
+          <a:p>
+            <a:pPr marL="0" indent="0" algn="ctr">
+              <a:buNone/>
+            </a:pPr>
+            <a:r>
+              <a:rPr lang="ko-KR" altLang="en-US" sz="3200" dirty="0">
+                <a:solidFill>
+                  <a:srgbClr val="FF0000"/>
+                </a:solidFill>
+              </a:rPr>
+              <a:t>존재하는 큰 이유 </a:t>
+            </a:r>
+            <a:r>
+              <a:rPr lang="en-US" altLang="ko-KR" sz="3200" dirty="0">
+                <a:solidFill>
+                  <a:srgbClr val="FF0000"/>
+                </a:solidFill>
+              </a:rPr>
+              <a:t>== </a:t>
+            </a:r>
+          </a:p>
+          <a:p>
+            <a:pPr marL="0" indent="0" algn="ctr">
+              <a:buNone/>
+            </a:pPr>
+            <a:r>
+              <a:rPr lang="en-US" altLang="ko-KR" sz="3200" dirty="0">
+                <a:solidFill>
+                  <a:srgbClr val="FF0000"/>
+                </a:solidFill>
+              </a:rPr>
+              <a:t>virtual DOM</a:t>
+            </a:r>
+          </a:p>
+        </p:txBody>
+      </p:sp>
+    </p:spTree>
+    <p:extLst>
+      <p:ext uri="{BB962C8B-B14F-4D97-AF65-F5344CB8AC3E}">
+        <p14:creationId xmlns:p14="http://schemas.microsoft.com/office/powerpoint/2010/main" val="2728580616"/>
+      </p:ext>
+    </p:extLst>
+  </p:cSld>
+  <p:clrMapOvr>
+    <a:masterClrMapping/>
+  </p:clrMapOvr>
+</p:sld>
+</file>
+
 <file path=ppt/slides/slide26.xml><?xml version="1.0" encoding="utf-8"?>
 <p:sld xmlns:a="http://schemas.openxmlformats.org/drawingml/2006/main" xmlns:r="http://schemas.openxmlformats.org/officeDocument/2006/relationships" xmlns:p="http://schemas.openxmlformats.org/presentationml/2006/main">
   <p:cSld>
@@ -5855,18 +5981,9 @@
           <a:lstStyle/>
           <a:p>
             <a:r>
-              <a:rPr lang="en-US" altLang="ko-KR" dirty="0" err="1"/>
-              <a:t>LifeCycle</a:t>
-            </a:r>
-            <a:r>
               <a:rPr lang="ko-KR" altLang="en-US" dirty="0"/>
-              <a:t> </a:t>
-            </a:r>
-            <a:r>
-              <a:rPr lang="en-US" altLang="ko-KR" dirty="0"/>
-              <a:t>API</a:t>
-            </a:r>
-            <a:endParaRPr lang="ko-KR" altLang="en-US" dirty="0"/>
+              <a:t>더 알아보기</a:t>
+            </a:r>
           </a:p>
         </p:txBody>
       </p:sp>
@@ -5902,18 +6019,13 @@
               <a:buNone/>
             </a:pPr>
             <a:r>
-              <a:rPr lang="ko-KR" altLang="en-US" sz="4400" dirty="0"/>
-              <a:t>단축키</a:t>
-            </a:r>
-            <a:r>
-              <a:rPr lang="en-US" altLang="ko-KR" sz="4400" dirty="0"/>
-              <a:t> : </a:t>
-            </a:r>
-            <a:r>
-              <a:rPr lang="en-US" altLang="ko-KR" sz="4400" dirty="0" err="1"/>
-              <a:t>rcfc</a:t>
-            </a:r>
-            <a:endParaRPr lang="en-US" altLang="ko-KR" sz="4400" dirty="0"/>
+              <a:rPr lang="ko-KR" altLang="en-US" sz="5400" dirty="0"/>
+              <a:t>이벤트 </a:t>
+            </a:r>
+            <a:r>
+              <a:rPr lang="en-US" altLang="ko-KR" sz="5400" dirty="0"/>
+              <a:t>handler</a:t>
+            </a:r>
           </a:p>
           <a:p>
             <a:pPr marL="0" indent="0" algn="ctr">
@@ -5926,36 +6038,20 @@
               <a:buNone/>
             </a:pPr>
             <a:r>
-              <a:rPr lang="en-US" altLang="ko-KR" sz="5400">
-                <a:solidFill>
-                  <a:srgbClr val="FF0000"/>
-                </a:solidFill>
-              </a:rPr>
-              <a:t>“</a:t>
-            </a:r>
-            <a:r>
-              <a:rPr lang="ko-KR" altLang="en-US" sz="5400">
-                <a:solidFill>
-                  <a:srgbClr val="FF0000"/>
-                </a:solidFill>
-              </a:rPr>
-              <a:t>언제 </a:t>
-            </a:r>
-            <a:r>
-              <a:rPr lang="ko-KR" altLang="en-US" sz="5400" dirty="0" err="1">
-                <a:solidFill>
-                  <a:srgbClr val="FF0000"/>
-                </a:solidFill>
-              </a:rPr>
-              <a:t>보여줄꺼야</a:t>
-            </a:r>
-            <a:r>
-              <a:rPr lang="en-US" altLang="ko-KR" sz="5400" dirty="0">
-                <a:solidFill>
-                  <a:srgbClr val="FF0000"/>
-                </a:solidFill>
-              </a:rPr>
-              <a:t>?”</a:t>
+              <a:rPr lang="en-US" altLang="ko-KR" sz="5400" dirty="0" err="1"/>
+              <a:t>onClick</a:t>
+            </a:r>
+            <a:r>
+              <a:rPr lang="en-US" altLang="ko-KR" sz="5400" dirty="0"/>
+              <a:t> </a:t>
+            </a:r>
+            <a:r>
+              <a:rPr lang="ko-KR" altLang="en-US" sz="5400" dirty="0"/>
+              <a:t>말고 뭐 있어</a:t>
+            </a:r>
+            <a:r>
+              <a:rPr lang="en-US" altLang="ko-KR" sz="5400" dirty="0"/>
+              <a:t>?</a:t>
             </a:r>
           </a:p>
         </p:txBody>
@@ -5963,7 +6059,7 @@
     </p:spTree>
     <p:extLst>
       <p:ext uri="{BB962C8B-B14F-4D97-AF65-F5344CB8AC3E}">
-        <p14:creationId xmlns:p14="http://schemas.microsoft.com/office/powerpoint/2010/main" val="2728580616"/>
+        <p14:creationId xmlns:p14="http://schemas.microsoft.com/office/powerpoint/2010/main" val="2483564765"/>
       </p:ext>
     </p:extLst>
   </p:cSld>
@@ -6018,8 +6114,13 @@
           <a:p>
             <a:r>
               <a:rPr lang="ko-KR" altLang="en-US" dirty="0"/>
-              <a:t>더 알아보기</a:t>
-            </a:r>
+              <a:t>더 알아보기 </a:t>
+            </a:r>
+            <a:r>
+              <a:rPr lang="en-US" altLang="ko-KR" dirty="0"/>
+              <a:t>2</a:t>
+            </a:r>
+            <a:endParaRPr lang="ko-KR" altLang="en-US" dirty="0"/>
           </a:p>
         </p:txBody>
       </p:sp>
@@ -6054,28 +6155,15 @@
             <a:pPr marL="0" indent="0" algn="ctr">
               <a:buNone/>
             </a:pPr>
-            <a:r>
-              <a:rPr lang="ko-KR" altLang="en-US" sz="5400" dirty="0"/>
-              <a:t>이벤트 </a:t>
-            </a:r>
-            <a:r>
-              <a:rPr lang="en-US" altLang="ko-KR" sz="5400" dirty="0"/>
-              <a:t>handler</a:t>
-            </a:r>
+            <a:endParaRPr lang="en-US" altLang="ko-KR" sz="5400" dirty="0"/>
           </a:p>
           <a:p>
             <a:pPr marL="0" indent="0" algn="ctr">
               <a:buNone/>
             </a:pPr>
-            <a:endParaRPr lang="en-US" altLang="ko-KR" sz="5400" dirty="0"/>
-          </a:p>
-          <a:p>
-            <a:pPr marL="0" indent="0" algn="ctr">
-              <a:buNone/>
-            </a:pPr>
             <a:r>
               <a:rPr lang="en-US" altLang="ko-KR" sz="5400" dirty="0" err="1"/>
-              <a:t>OnClick</a:t>
+              <a:t>VSCode</a:t>
             </a:r>
             <a:r>
               <a:rPr lang="en-US" altLang="ko-KR" sz="5400" dirty="0"/>
@@ -6083,19 +6171,26 @@
             </a:r>
             <a:r>
               <a:rPr lang="ko-KR" altLang="en-US" sz="5400" dirty="0"/>
-              <a:t>말고 뭐 있어</a:t>
-            </a:r>
-            <a:r>
-              <a:rPr lang="en-US" altLang="ko-KR" sz="5400" dirty="0"/>
-              <a:t>?</a:t>
-            </a:r>
+              <a:t>단축키</a:t>
+            </a:r>
+            <a:endParaRPr lang="en-US" altLang="ko-KR" sz="5400" dirty="0"/>
+          </a:p>
+          <a:p>
+            <a:pPr marL="0" indent="0" algn="ctr">
+              <a:buNone/>
+            </a:pPr>
+            <a:r>
+              <a:rPr lang="ko-KR" altLang="en-US" sz="5400" dirty="0"/>
+              <a:t>알아만 보기</a:t>
+            </a:r>
+            <a:endParaRPr lang="en-US" altLang="ko-KR" sz="5400" dirty="0"/>
           </a:p>
         </p:txBody>
       </p:sp>
     </p:spTree>
     <p:extLst>
       <p:ext uri="{BB962C8B-B14F-4D97-AF65-F5344CB8AC3E}">
-        <p14:creationId xmlns:p14="http://schemas.microsoft.com/office/powerpoint/2010/main" val="2483564765"/>
+        <p14:creationId xmlns:p14="http://schemas.microsoft.com/office/powerpoint/2010/main" val="2759995910"/>
       </p:ext>
     </p:extLst>
   </p:cSld>
@@ -6150,13 +6245,8 @@
           <a:p>
             <a:r>
               <a:rPr lang="ko-KR" altLang="en-US" dirty="0"/>
-              <a:t>더 알아보기 </a:t>
-            </a:r>
-            <a:r>
-              <a:rPr lang="en-US" altLang="ko-KR" dirty="0"/>
-              <a:t>2</a:t>
-            </a:r>
-            <a:endParaRPr lang="ko-KR" altLang="en-US" dirty="0"/>
+              <a:t>정리</a:t>
+            </a:r>
           </a:p>
         </p:txBody>
       </p:sp>
@@ -6191,125 +6281,21 @@
             <a:pPr marL="0" indent="0" algn="ctr">
               <a:buNone/>
             </a:pPr>
-            <a:endParaRPr lang="en-US" altLang="ko-KR" sz="5400" dirty="0"/>
-          </a:p>
-          <a:p>
-            <a:pPr marL="0" indent="0" algn="ctr">
-              <a:buNone/>
-            </a:pPr>
-            <a:r>
-              <a:rPr lang="en-US" altLang="ko-KR" sz="5400" dirty="0" err="1"/>
-              <a:t>VSCode</a:t>
-            </a:r>
-            <a:r>
-              <a:rPr lang="en-US" altLang="ko-KR" sz="5400" dirty="0"/>
+            <a:r>
+              <a:rPr lang="en-US" altLang="ko-KR" sz="2400" dirty="0"/>
+              <a:t>(</a:t>
+            </a:r>
+            <a:r>
+              <a:rPr lang="en-US" altLang="ko-KR" sz="2400" dirty="0" err="1"/>
+              <a:t>js</a:t>
+            </a:r>
+            <a:r>
+              <a:rPr lang="ko-KR" altLang="en-US" sz="2400" dirty="0"/>
               <a:t> </a:t>
             </a:r>
             <a:r>
-              <a:rPr lang="ko-KR" altLang="en-US" sz="5400" dirty="0"/>
-              <a:t>단축키</a:t>
-            </a:r>
-            <a:endParaRPr lang="en-US" altLang="ko-KR" sz="5400" dirty="0"/>
-          </a:p>
-        </p:txBody>
-      </p:sp>
-    </p:spTree>
-    <p:extLst>
-      <p:ext uri="{BB962C8B-B14F-4D97-AF65-F5344CB8AC3E}">
-        <p14:creationId xmlns:p14="http://schemas.microsoft.com/office/powerpoint/2010/main" val="2759995910"/>
-      </p:ext>
-    </p:extLst>
-  </p:cSld>
-  <p:clrMapOvr>
-    <a:masterClrMapping/>
-  </p:clrMapOvr>
-</p:sld>
-</file>
-
-<file path=ppt/slides/slide29.xml><?xml version="1.0" encoding="utf-8"?>
-<p:sld xmlns:a="http://schemas.openxmlformats.org/drawingml/2006/main" xmlns:r="http://schemas.openxmlformats.org/officeDocument/2006/relationships" xmlns:p="http://schemas.openxmlformats.org/presentationml/2006/main">
-  <p:cSld>
-    <p:spTree>
-      <p:nvGrpSpPr>
-        <p:cNvPr id="1" name=""/>
-        <p:cNvGrpSpPr/>
-        <p:nvPr/>
-      </p:nvGrpSpPr>
-      <p:grpSpPr>
-        <a:xfrm>
-          <a:off x="0" y="0"/>
-          <a:ext cx="0" cy="0"/>
-          <a:chOff x="0" y="0"/>
-          <a:chExt cx="0" cy="0"/>
-        </a:xfrm>
-      </p:grpSpPr>
-      <p:sp>
-        <p:nvSpPr>
-          <p:cNvPr id="9" name="제목 1">
-            <a:extLst>
-              <a:ext uri="{FF2B5EF4-FFF2-40B4-BE49-F238E27FC236}">
-                <a16:creationId xmlns:a16="http://schemas.microsoft.com/office/drawing/2014/main" id="{81C7C27D-3B46-4D0F-9AC1-F36010EB61E2}"/>
-              </a:ext>
-            </a:extLst>
-          </p:cNvPr>
-          <p:cNvSpPr>
-            <a:spLocks noGrp="1"/>
-          </p:cNvSpPr>
-          <p:nvPr>
-            <p:ph type="title"/>
-          </p:nvPr>
-        </p:nvSpPr>
-        <p:spPr>
-          <a:xfrm>
-            <a:off x="838200" y="365125"/>
-            <a:ext cx="10515600" cy="1325563"/>
-          </a:xfrm>
-        </p:spPr>
-        <p:txBody>
-          <a:bodyPr/>
-          <a:lstStyle/>
-          <a:p>
-            <a:r>
-              <a:rPr lang="ko-KR" altLang="en-US" dirty="0"/>
-              <a:t>정리</a:t>
-            </a:r>
-          </a:p>
-        </p:txBody>
-      </p:sp>
-      <p:sp>
-        <p:nvSpPr>
-          <p:cNvPr id="3" name="내용 개체 틀 2">
-            <a:extLst>
-              <a:ext uri="{FF2B5EF4-FFF2-40B4-BE49-F238E27FC236}">
-                <a16:creationId xmlns:a16="http://schemas.microsoft.com/office/drawing/2014/main" id="{5BA4782F-261E-4FF7-8235-7F6ABD67B660}"/>
-              </a:ext>
-            </a:extLst>
-          </p:cNvPr>
-          <p:cNvSpPr>
-            <a:spLocks noGrp="1"/>
-          </p:cNvSpPr>
-          <p:nvPr>
-            <p:ph idx="1"/>
-          </p:nvPr>
-        </p:nvSpPr>
-        <p:spPr>
-          <a:xfrm>
-            <a:off x="838200" y="1825625"/>
-            <a:ext cx="10515600" cy="4351338"/>
-          </a:xfrm>
-        </p:spPr>
-        <p:txBody>
-          <a:bodyPr>
-            <a:normAutofit/>
-          </a:bodyPr>
-          <a:lstStyle/>
-          <a:p>
-            <a:pPr marL="0" indent="0" algn="ctr">
-              <a:buNone/>
-            </a:pPr>
-            <a:r>
               <a:rPr lang="en-US" altLang="ko-KR" sz="2400" dirty="0"/>
-              <a:t>(Package Manager) </a:t>
+              <a:t>Package Manager) </a:t>
             </a:r>
             <a:r>
               <a:rPr lang="en-US" altLang="ko-KR" sz="2400" dirty="0" err="1"/>
@@ -6325,8 +6311,18 @@
               <a:buNone/>
             </a:pPr>
             <a:r>
+              <a:rPr lang="ko-KR" altLang="en-US" sz="2400" dirty="0"/>
+              <a:t>의존성 패키지</a:t>
+            </a:r>
+            <a:endParaRPr lang="en-US" altLang="ko-KR" sz="2400" dirty="0"/>
+          </a:p>
+          <a:p>
+            <a:pPr marL="0" indent="0" algn="ctr">
+              <a:buNone/>
+            </a:pPr>
+            <a:r>
               <a:rPr lang="en-US" altLang="ko-KR" sz="2400" dirty="0"/>
-              <a:t>Frontend</a:t>
+              <a:t>Frontend Library</a:t>
             </a:r>
           </a:p>
           <a:p>
@@ -6948,7 +6944,7 @@
             </a:r>
             <a:r>
               <a:rPr lang="en-US" altLang="ko-KR" dirty="0"/>
-              <a:t>= Pros, State</a:t>
+              <a:t>= Props, State</a:t>
             </a:r>
             <a:endParaRPr lang="ko-KR" altLang="en-US" dirty="0"/>
           </a:p>

--- a/react/ctrlz2-0320.pptx
+++ b/react/ctrlz2-0320.pptx
@@ -286,7 +286,7 @@
           <a:p>
             <a:fld id="{6587FAEA-F880-4778-816E-3E668AC76103}" type="datetimeFigureOut">
               <a:rPr lang="ko-KR" altLang="en-US" smtClean="0"/>
-              <a:t>2020-03-20</a:t>
+              <a:t>2020-03-27</a:t>
             </a:fld>
             <a:endParaRPr lang="ko-KR" altLang="en-US"/>
           </a:p>
@@ -484,7 +484,7 @@
           <a:p>
             <a:fld id="{6587FAEA-F880-4778-816E-3E668AC76103}" type="datetimeFigureOut">
               <a:rPr lang="ko-KR" altLang="en-US" smtClean="0"/>
-              <a:t>2020-03-20</a:t>
+              <a:t>2020-03-27</a:t>
             </a:fld>
             <a:endParaRPr lang="ko-KR" altLang="en-US"/>
           </a:p>
@@ -692,7 +692,7 @@
           <a:p>
             <a:fld id="{6587FAEA-F880-4778-816E-3E668AC76103}" type="datetimeFigureOut">
               <a:rPr lang="ko-KR" altLang="en-US" smtClean="0"/>
-              <a:t>2020-03-20</a:t>
+              <a:t>2020-03-27</a:t>
             </a:fld>
             <a:endParaRPr lang="ko-KR" altLang="en-US"/>
           </a:p>
@@ -890,7 +890,7 @@
           <a:p>
             <a:fld id="{6587FAEA-F880-4778-816E-3E668AC76103}" type="datetimeFigureOut">
               <a:rPr lang="ko-KR" altLang="en-US" smtClean="0"/>
-              <a:t>2020-03-20</a:t>
+              <a:t>2020-03-27</a:t>
             </a:fld>
             <a:endParaRPr lang="ko-KR" altLang="en-US"/>
           </a:p>
@@ -1165,7 +1165,7 @@
           <a:p>
             <a:fld id="{6587FAEA-F880-4778-816E-3E668AC76103}" type="datetimeFigureOut">
               <a:rPr lang="ko-KR" altLang="en-US" smtClean="0"/>
-              <a:t>2020-03-20</a:t>
+              <a:t>2020-03-27</a:t>
             </a:fld>
             <a:endParaRPr lang="ko-KR" altLang="en-US"/>
           </a:p>
@@ -1430,7 +1430,7 @@
           <a:p>
             <a:fld id="{6587FAEA-F880-4778-816E-3E668AC76103}" type="datetimeFigureOut">
               <a:rPr lang="ko-KR" altLang="en-US" smtClean="0"/>
-              <a:t>2020-03-20</a:t>
+              <a:t>2020-03-27</a:t>
             </a:fld>
             <a:endParaRPr lang="ko-KR" altLang="en-US"/>
           </a:p>
@@ -1842,7 +1842,7 @@
           <a:p>
             <a:fld id="{6587FAEA-F880-4778-816E-3E668AC76103}" type="datetimeFigureOut">
               <a:rPr lang="ko-KR" altLang="en-US" smtClean="0"/>
-              <a:t>2020-03-20</a:t>
+              <a:t>2020-03-27</a:t>
             </a:fld>
             <a:endParaRPr lang="ko-KR" altLang="en-US"/>
           </a:p>
@@ -1983,7 +1983,7 @@
           <a:p>
             <a:fld id="{6587FAEA-F880-4778-816E-3E668AC76103}" type="datetimeFigureOut">
               <a:rPr lang="ko-KR" altLang="en-US" smtClean="0"/>
-              <a:t>2020-03-20</a:t>
+              <a:t>2020-03-27</a:t>
             </a:fld>
             <a:endParaRPr lang="ko-KR" altLang="en-US"/>
           </a:p>
@@ -2096,7 +2096,7 @@
           <a:p>
             <a:fld id="{6587FAEA-F880-4778-816E-3E668AC76103}" type="datetimeFigureOut">
               <a:rPr lang="ko-KR" altLang="en-US" smtClean="0"/>
-              <a:t>2020-03-20</a:t>
+              <a:t>2020-03-27</a:t>
             </a:fld>
             <a:endParaRPr lang="ko-KR" altLang="en-US"/>
           </a:p>
@@ -2407,7 +2407,7 @@
           <a:p>
             <a:fld id="{6587FAEA-F880-4778-816E-3E668AC76103}" type="datetimeFigureOut">
               <a:rPr lang="ko-KR" altLang="en-US" smtClean="0"/>
-              <a:t>2020-03-20</a:t>
+              <a:t>2020-03-27</a:t>
             </a:fld>
             <a:endParaRPr lang="ko-KR" altLang="en-US"/>
           </a:p>
@@ -2695,7 +2695,7 @@
           <a:p>
             <a:fld id="{6587FAEA-F880-4778-816E-3E668AC76103}" type="datetimeFigureOut">
               <a:rPr lang="ko-KR" altLang="en-US" smtClean="0"/>
-              <a:t>2020-03-20</a:t>
+              <a:t>2020-03-27</a:t>
             </a:fld>
             <a:endParaRPr lang="ko-KR" altLang="en-US"/>
           </a:p>
@@ -2936,7 +2936,7 @@
           <a:p>
             <a:fld id="{6587FAEA-F880-4778-816E-3E668AC76103}" type="datetimeFigureOut">
               <a:rPr lang="ko-KR" altLang="en-US" smtClean="0"/>
-              <a:t>2020-03-20</a:t>
+              <a:t>2020-03-27</a:t>
             </a:fld>
             <a:endParaRPr lang="ko-KR" altLang="en-US"/>
           </a:p>
@@ -6407,19 +6407,19 @@
               <a:buNone/>
             </a:pPr>
             <a:r>
-              <a:rPr lang="ko-KR" altLang="en-US" sz="2400" dirty="0"/>
+              <a:rPr lang="ko-KR" altLang="en-US" sz="2400" strike="sngStrike" dirty="0"/>
               <a:t>그걸  언제 보여주나</a:t>
             </a:r>
             <a:r>
-              <a:rPr lang="en-US" altLang="ko-KR" sz="2400" dirty="0"/>
+              <a:rPr lang="en-US" altLang="ko-KR" sz="2400" strike="sngStrike" dirty="0"/>
               <a:t>? </a:t>
             </a:r>
             <a:r>
-              <a:rPr lang="en-US" altLang="ko-KR" sz="2400" dirty="0" err="1"/>
+              <a:rPr lang="en-US" altLang="ko-KR" sz="2400" strike="sngStrike" dirty="0" err="1"/>
               <a:t>LifeCycle</a:t>
             </a:r>
             <a:r>
-              <a:rPr lang="en-US" altLang="ko-KR" sz="2400" dirty="0"/>
+              <a:rPr lang="en-US" altLang="ko-KR" sz="2400" strike="sngStrike" dirty="0"/>
               <a:t> API</a:t>
             </a:r>
           </a:p>
